--- a/day 3/S4D400 - Day 3.pptx
+++ b/day 3/S4D400 - Day 3.pptx
@@ -2441,12 +2441,12 @@
         </a:fontRef>
       </dsp:style>
       <dsp:txBody>
-        <a:bodyPr spcFirstLastPara="0" vert="horz" wrap="square" lIns="8255" tIns="8255" rIns="8255" bIns="8255" numCol="1" spcCol="1270" anchor="ctr" anchorCtr="0">
+        <a:bodyPr spcFirstLastPara="0" vert="horz" wrap="square" lIns="9525" tIns="9525" rIns="9525" bIns="9525" numCol="1" spcCol="1270" anchor="ctr" anchorCtr="0">
           <a:noAutofit/>
         </a:bodyPr>
         <a:lstStyle/>
         <a:p>
-          <a:pPr marL="0" lvl="0" indent="0" algn="ctr" defTabSz="577850">
+          <a:pPr marL="0" lvl="0" indent="0" algn="ctr" defTabSz="666750">
             <a:lnSpc>
               <a:spcPct val="90000"/>
             </a:lnSpc>
@@ -2459,7 +2459,7 @@
             <a:buNone/>
           </a:pPr>
           <a:r>
-            <a:rPr lang="en-US" sz="1300" kern="1200" dirty="0">
+            <a:rPr lang="en-US" sz="1500" kern="1200" dirty="0">
               <a:solidFill>
                 <a:schemeClr val="bg1"/>
               </a:solidFill>
@@ -2520,12 +2520,12 @@
         </a:fontRef>
       </dsp:style>
       <dsp:txBody>
-        <a:bodyPr spcFirstLastPara="0" vert="horz" wrap="square" lIns="8255" tIns="8255" rIns="8255" bIns="8255" numCol="1" spcCol="1270" anchor="ctr" anchorCtr="0">
+        <a:bodyPr spcFirstLastPara="0" vert="horz" wrap="square" lIns="9525" tIns="9525" rIns="9525" bIns="9525" numCol="1" spcCol="1270" anchor="ctr" anchorCtr="0">
           <a:noAutofit/>
         </a:bodyPr>
         <a:lstStyle/>
         <a:p>
-          <a:pPr marL="0" lvl="0" indent="0" algn="ctr" defTabSz="577850">
+          <a:pPr marL="0" lvl="0" indent="0" algn="ctr" defTabSz="666750">
             <a:lnSpc>
               <a:spcPct val="90000"/>
             </a:lnSpc>
@@ -2538,7 +2538,7 @@
             <a:buNone/>
           </a:pPr>
           <a:r>
-            <a:rPr lang="en-US" sz="1300" kern="1200" dirty="0">
+            <a:rPr lang="en-US" sz="1500" kern="1200" dirty="0">
               <a:solidFill>
                 <a:schemeClr val="bg1"/>
               </a:solidFill>
@@ -2548,7 +2548,7 @@
             <a:t>SELECT * FROM </a:t>
           </a:r>
           <a:r>
-            <a:rPr lang="en-US" sz="1300" kern="1200" dirty="0" err="1">
+            <a:rPr lang="en-US" sz="1500" kern="1200" dirty="0" err="1">
               <a:solidFill>
                 <a:schemeClr val="bg1"/>
               </a:solidFill>
@@ -2558,7 +2558,7 @@
             <a:t>dbtab</a:t>
           </a:r>
           <a:r>
-            <a:rPr lang="en-US" sz="1300" kern="1200" dirty="0">
+            <a:rPr lang="en-US" sz="1500" kern="1200" dirty="0">
               <a:solidFill>
                 <a:schemeClr val="bg1"/>
               </a:solidFill>
@@ -2569,7 +2569,7 @@
           </a:r>
         </a:p>
         <a:p>
-          <a:pPr marL="0" lvl="0" indent="0" algn="ctr" defTabSz="577850">
+          <a:pPr marL="0" lvl="0" indent="0" algn="ctr" defTabSz="666750">
             <a:lnSpc>
               <a:spcPct val="90000"/>
             </a:lnSpc>
@@ -2582,7 +2582,7 @@
             <a:buNone/>
           </a:pPr>
           <a:r>
-            <a:rPr lang="en-US" sz="1300" kern="1200" dirty="0">
+            <a:rPr lang="en-US" sz="1500" kern="1200" dirty="0">
               <a:solidFill>
                 <a:schemeClr val="bg1"/>
               </a:solidFill>
@@ -2593,7 +2593,7 @@
           </a:r>
         </a:p>
         <a:p>
-          <a:pPr marL="0" lvl="0" indent="0" algn="ctr" defTabSz="577850">
+          <a:pPr marL="0" lvl="0" indent="0" algn="ctr" defTabSz="666750">
             <a:lnSpc>
               <a:spcPct val="90000"/>
             </a:lnSpc>
@@ -2606,7 +2606,7 @@
             <a:buNone/>
           </a:pPr>
           <a:r>
-            <a:rPr lang="en-US" sz="1300" kern="1200" dirty="0">
+            <a:rPr lang="en-US" sz="1500" kern="1200" dirty="0">
               <a:solidFill>
                 <a:schemeClr val="bg1"/>
               </a:solidFill>
@@ -2667,12 +2667,12 @@
         </a:fontRef>
       </dsp:style>
       <dsp:txBody>
-        <a:bodyPr spcFirstLastPara="0" vert="horz" wrap="square" lIns="8255" tIns="8255" rIns="8255" bIns="8255" numCol="1" spcCol="1270" anchor="ctr" anchorCtr="0">
+        <a:bodyPr spcFirstLastPara="0" vert="horz" wrap="square" lIns="9525" tIns="9525" rIns="9525" bIns="9525" numCol="1" spcCol="1270" anchor="ctr" anchorCtr="0">
           <a:noAutofit/>
         </a:bodyPr>
         <a:lstStyle/>
         <a:p>
-          <a:pPr marL="0" lvl="0" indent="0" algn="ctr" defTabSz="577850">
+          <a:pPr marL="0" lvl="0" indent="0" algn="ctr" defTabSz="666750">
             <a:lnSpc>
               <a:spcPct val="90000"/>
             </a:lnSpc>
@@ -2685,7 +2685,7 @@
             <a:buNone/>
           </a:pPr>
           <a:r>
-            <a:rPr lang="en-US" sz="1300" kern="1200" dirty="0">
+            <a:rPr lang="en-US" sz="1500" kern="1200" dirty="0">
               <a:solidFill>
                 <a:schemeClr val="bg1"/>
               </a:solidFill>
@@ -2695,7 +2695,7 @@
             <a:t>SELECT * FROM </a:t>
           </a:r>
           <a:r>
-            <a:rPr lang="en-US" sz="1300" kern="1200" dirty="0" err="1">
+            <a:rPr lang="en-US" sz="1500" kern="1200" dirty="0" err="1">
               <a:solidFill>
                 <a:schemeClr val="bg1"/>
               </a:solidFill>
@@ -2705,7 +2705,7 @@
             <a:t>dbtab</a:t>
           </a:r>
           <a:r>
-            <a:rPr lang="en-US" sz="1300" kern="1200" dirty="0">
+            <a:rPr lang="en-US" sz="1500" kern="1200" dirty="0">
               <a:solidFill>
                 <a:schemeClr val="bg1"/>
               </a:solidFill>
@@ -2715,7 +2715,7 @@
             <a:t> INTO </a:t>
           </a:r>
           <a:r>
-            <a:rPr lang="en-US" sz="1300" kern="1200" dirty="0" err="1">
+            <a:rPr lang="en-US" sz="1500" kern="1200" dirty="0" err="1">
               <a:solidFill>
                 <a:schemeClr val="bg1"/>
               </a:solidFill>
@@ -2725,7 +2725,7 @@
             <a:t>wa</a:t>
           </a:r>
           <a:r>
-            <a:rPr lang="en-US" sz="1300" kern="1200" dirty="0">
+            <a:rPr lang="en-US" sz="1500" kern="1200" dirty="0">
               <a:solidFill>
                 <a:schemeClr val="bg1"/>
               </a:solidFill>
@@ -2736,7 +2736,7 @@
           </a:r>
         </a:p>
         <a:p>
-          <a:pPr marL="0" lvl="0" indent="0" algn="ctr" defTabSz="577850">
+          <a:pPr marL="0" lvl="0" indent="0" algn="ctr" defTabSz="666750">
             <a:lnSpc>
               <a:spcPct val="90000"/>
             </a:lnSpc>
@@ -2749,7 +2749,7 @@
             <a:buNone/>
           </a:pPr>
           <a:r>
-            <a:rPr lang="en-US" sz="1300" kern="1200" dirty="0">
+            <a:rPr lang="en-US" sz="1500" kern="1200" dirty="0">
               <a:solidFill>
                 <a:schemeClr val="bg1"/>
               </a:solidFill>
@@ -2760,7 +2760,7 @@
           </a:r>
         </a:p>
         <a:p>
-          <a:pPr marL="0" lvl="0" indent="0" algn="ctr" defTabSz="577850">
+          <a:pPr marL="0" lvl="0" indent="0" algn="ctr" defTabSz="666750">
             <a:lnSpc>
               <a:spcPct val="90000"/>
             </a:lnSpc>
@@ -2773,7 +2773,7 @@
             <a:buNone/>
           </a:pPr>
           <a:r>
-            <a:rPr lang="en-US" sz="1300" kern="1200" dirty="0">
+            <a:rPr lang="en-US" sz="1500" kern="1200" dirty="0">
               <a:solidFill>
                 <a:schemeClr val="bg1"/>
               </a:solidFill>
@@ -2834,12 +2834,12 @@
         </a:fontRef>
       </dsp:style>
       <dsp:txBody>
-        <a:bodyPr spcFirstLastPara="0" vert="horz" wrap="square" lIns="8255" tIns="8255" rIns="8255" bIns="8255" numCol="1" spcCol="1270" anchor="ctr" anchorCtr="0">
+        <a:bodyPr spcFirstLastPara="0" vert="horz" wrap="square" lIns="9525" tIns="9525" rIns="9525" bIns="9525" numCol="1" spcCol="1270" anchor="ctr" anchorCtr="0">
           <a:noAutofit/>
         </a:bodyPr>
         <a:lstStyle/>
         <a:p>
-          <a:pPr marL="0" lvl="0" indent="0" algn="ctr" defTabSz="577850">
+          <a:pPr marL="0" lvl="0" indent="0" algn="ctr" defTabSz="666750">
             <a:lnSpc>
               <a:spcPct val="90000"/>
             </a:lnSpc>
@@ -2852,7 +2852,7 @@
             <a:buNone/>
           </a:pPr>
           <a:r>
-            <a:rPr lang="en-US" sz="1300" kern="1200" dirty="0">
+            <a:rPr lang="en-US" sz="1500" kern="1200" dirty="0">
               <a:solidFill>
                 <a:schemeClr val="bg1"/>
               </a:solidFill>
@@ -2913,12 +2913,12 @@
         </a:fontRef>
       </dsp:style>
       <dsp:txBody>
-        <a:bodyPr spcFirstLastPara="0" vert="horz" wrap="square" lIns="8255" tIns="8255" rIns="8255" bIns="8255" numCol="1" spcCol="1270" anchor="ctr" anchorCtr="0">
+        <a:bodyPr spcFirstLastPara="0" vert="horz" wrap="square" lIns="9525" tIns="9525" rIns="9525" bIns="9525" numCol="1" spcCol="1270" anchor="ctr" anchorCtr="0">
           <a:noAutofit/>
         </a:bodyPr>
         <a:lstStyle/>
         <a:p>
-          <a:pPr marL="0" lvl="0" indent="0" algn="ctr" defTabSz="577850">
+          <a:pPr marL="0" lvl="0" indent="0" algn="ctr" defTabSz="666750">
             <a:lnSpc>
               <a:spcPct val="90000"/>
             </a:lnSpc>
@@ -2931,7 +2931,7 @@
             <a:buNone/>
           </a:pPr>
           <a:r>
-            <a:rPr lang="en-US" sz="1300" kern="1200" dirty="0">
+            <a:rPr lang="en-US" sz="1500" kern="1200" dirty="0">
               <a:solidFill>
                 <a:schemeClr val="bg1"/>
               </a:solidFill>
@@ -2941,7 +2941,7 @@
             <a:t>SELECT * FROM </a:t>
           </a:r>
           <a:r>
-            <a:rPr lang="en-US" sz="1300" kern="1200" dirty="0" err="1">
+            <a:rPr lang="en-US" sz="1500" kern="1200" dirty="0" err="1">
               <a:solidFill>
                 <a:schemeClr val="bg1"/>
               </a:solidFill>
@@ -2951,7 +2951,7 @@
             <a:t>dbtab</a:t>
           </a:r>
           <a:r>
-            <a:rPr lang="en-US" sz="1300" kern="1200" dirty="0">
+            <a:rPr lang="en-US" sz="1500" kern="1200" dirty="0">
               <a:solidFill>
                 <a:schemeClr val="bg1"/>
               </a:solidFill>
@@ -2961,7 +2961,7 @@
             <a:t> INTO TABLE </a:t>
           </a:r>
           <a:r>
-            <a:rPr lang="en-US" sz="1300" kern="1200" dirty="0" err="1">
+            <a:rPr lang="en-US" sz="1500" kern="1200" dirty="0" err="1">
               <a:solidFill>
                 <a:schemeClr val="bg1"/>
               </a:solidFill>
@@ -2970,7 +2970,7 @@
             </a:rPr>
             <a:t>itab</a:t>
           </a:r>
-          <a:endParaRPr lang="en-US" sz="1300" kern="1200" dirty="0">
+          <a:endParaRPr lang="en-US" sz="1500" kern="1200" dirty="0">
             <a:solidFill>
               <a:schemeClr val="bg1"/>
             </a:solidFill>
@@ -3029,12 +3029,12 @@
         </a:fontRef>
       </dsp:style>
       <dsp:txBody>
-        <a:bodyPr spcFirstLastPara="0" vert="horz" wrap="square" lIns="8255" tIns="8255" rIns="8255" bIns="8255" numCol="1" spcCol="1270" anchor="ctr" anchorCtr="0">
+        <a:bodyPr spcFirstLastPara="0" vert="horz" wrap="square" lIns="9525" tIns="9525" rIns="9525" bIns="9525" numCol="1" spcCol="1270" anchor="ctr" anchorCtr="0">
           <a:noAutofit/>
         </a:bodyPr>
         <a:lstStyle/>
         <a:p>
-          <a:pPr marL="0" lvl="0" indent="0" algn="ctr" defTabSz="577850">
+          <a:pPr marL="0" lvl="0" indent="0" algn="ctr" defTabSz="666750">
             <a:lnSpc>
               <a:spcPct val="90000"/>
             </a:lnSpc>
@@ -3047,7 +3047,7 @@
             <a:buNone/>
           </a:pPr>
           <a:r>
-            <a:rPr lang="en-US" sz="1300" kern="1200" dirty="0">
+            <a:rPr lang="en-US" sz="1500" kern="1200" dirty="0">
               <a:solidFill>
                 <a:schemeClr val="bg1"/>
               </a:solidFill>
@@ -3057,7 +3057,7 @@
             <a:t>SELECT SINGLE * FROM </a:t>
           </a:r>
           <a:r>
-            <a:rPr lang="en-US" sz="1300" kern="1200" dirty="0" err="1">
+            <a:rPr lang="en-US" sz="1500" kern="1200" dirty="0" err="1">
               <a:solidFill>
                 <a:schemeClr val="bg1"/>
               </a:solidFill>
@@ -3067,7 +3067,7 @@
             <a:t>dbtab</a:t>
           </a:r>
           <a:r>
-            <a:rPr lang="en-US" sz="1300" kern="1200" dirty="0">
+            <a:rPr lang="en-US" sz="1500" kern="1200" dirty="0">
               <a:solidFill>
                 <a:schemeClr val="bg1"/>
               </a:solidFill>
@@ -3077,7 +3077,7 @@
             <a:t> INTO </a:t>
           </a:r>
           <a:r>
-            <a:rPr lang="en-US" sz="1300" kern="1200" dirty="0" err="1">
+            <a:rPr lang="en-US" sz="1500" kern="1200" dirty="0" err="1">
               <a:solidFill>
                 <a:schemeClr val="bg1"/>
               </a:solidFill>
@@ -3087,7 +3087,7 @@
             <a:t>wa</a:t>
           </a:r>
           <a:r>
-            <a:rPr lang="en-US" sz="1300" kern="1200" dirty="0">
+            <a:rPr lang="en-US" sz="1500" kern="1200" dirty="0">
               <a:solidFill>
                 <a:schemeClr val="bg1"/>
               </a:solidFill>
@@ -11045,8 +11045,15 @@
             </a:pPr>
             <a:r>
               <a:rPr lang="en-US" dirty="0"/>
-              <a:t>Program Name: ZNC_XX_ITAB</a:t>
-            </a:r>
+              <a:t>Program Name: </a:t>
+            </a:r>
+            <a:r>
+              <a:rPr lang="en-US" dirty="0">
+                <a:hlinkClick r:id="rId2"/>
+              </a:rPr>
+              <a:t>ZNC_XX_ITAB</a:t>
+            </a:r>
+            <a:endParaRPr lang="en-US" dirty="0"/>
           </a:p>
           <a:p>
             <a:pPr marL="342900" indent="-342900">
@@ -11060,7 +11067,7 @@
       <p:pic>
         <p:nvPicPr>
           <p:cNvPr id="2050" name="Picture 2" descr="NetCom Logo">
-            <a:hlinkClick r:id="rId2"/>
+            <a:hlinkClick r:id="rId3"/>
             <a:extLst>
               <a:ext uri="{FF2B5EF4-FFF2-40B4-BE49-F238E27FC236}">
                 <a16:creationId xmlns:a16="http://schemas.microsoft.com/office/drawing/2014/main" id="{2B8D59D5-A57D-4846-863C-31591ACCF193}"/>
@@ -11073,7 +11080,7 @@
           <p:nvPr/>
         </p:nvPicPr>
         <p:blipFill>
-          <a:blip r:embed="rId3" cstate="print">
+          <a:blip r:embed="rId4" cstate="print">
             <a:extLst>
               <a:ext uri="{28A0092B-C50C-407E-A947-70E740481C1C}">
                 <a14:useLocalDpi xmlns:a14="http://schemas.microsoft.com/office/drawing/2010/main" val="0"/>
@@ -11120,7 +11127,7 @@
           <p:nvPr/>
         </p:nvPicPr>
         <p:blipFill>
-          <a:blip r:embed="rId4"/>
+          <a:blip r:embed="rId5"/>
           <a:stretch>
             <a:fillRect/>
           </a:stretch>
@@ -12919,8 +12926,15 @@
           <a:p>
             <a:r>
               <a:rPr lang="en-US" sz="2400" dirty="0"/>
-              <a:t>Program Name: ZNC_XX_IT_LOOP</a:t>
-            </a:r>
+              <a:t>Program Name: </a:t>
+            </a:r>
+            <a:r>
+              <a:rPr lang="en-US" sz="2400" dirty="0">
+                <a:hlinkClick r:id="rId2"/>
+              </a:rPr>
+              <a:t>ZNC_XX_IT_LOOP</a:t>
+            </a:r>
+            <a:endParaRPr lang="en-US" sz="2400" dirty="0"/>
           </a:p>
           <a:p>
             <a:endParaRPr lang="en-US" sz="2400" dirty="0"/>
@@ -12930,7 +12944,7 @@
       <p:pic>
         <p:nvPicPr>
           <p:cNvPr id="2050" name="Picture 2" descr="NetCom Logo">
-            <a:hlinkClick r:id="rId2"/>
+            <a:hlinkClick r:id="rId3"/>
             <a:extLst>
               <a:ext uri="{FF2B5EF4-FFF2-40B4-BE49-F238E27FC236}">
                 <a16:creationId xmlns:a16="http://schemas.microsoft.com/office/drawing/2014/main" id="{2B8D59D5-A57D-4846-863C-31591ACCF193}"/>
@@ -12943,7 +12957,7 @@
           <p:nvPr/>
         </p:nvPicPr>
         <p:blipFill>
-          <a:blip r:embed="rId3" cstate="print">
+          <a:blip r:embed="rId4" cstate="print">
             <a:extLst>
               <a:ext uri="{28A0092B-C50C-407E-A947-70E740481C1C}">
                 <a14:useLocalDpi xmlns:a14="http://schemas.microsoft.com/office/drawing/2010/main" val="0"/>
@@ -13789,15 +13803,22 @@
           <a:p>
             <a:r>
               <a:rPr lang="en-US" sz="2400" dirty="0"/>
-              <a:t>Program Name: ZNC_XX_READ_ITAB</a:t>
-            </a:r>
+              <a:t>Program Name: </a:t>
+            </a:r>
+            <a:r>
+              <a:rPr lang="en-US" sz="2400" dirty="0">
+                <a:hlinkClick r:id="rId2"/>
+              </a:rPr>
+              <a:t>ZNC_XX_READ_ITAB</a:t>
+            </a:r>
+            <a:endParaRPr lang="en-US" sz="2400" dirty="0"/>
           </a:p>
         </p:txBody>
       </p:sp>
       <p:pic>
         <p:nvPicPr>
           <p:cNvPr id="2050" name="Picture 2" descr="NetCom Logo">
-            <a:hlinkClick r:id="rId2"/>
+            <a:hlinkClick r:id="rId3"/>
             <a:extLst>
               <a:ext uri="{FF2B5EF4-FFF2-40B4-BE49-F238E27FC236}">
                 <a16:creationId xmlns:a16="http://schemas.microsoft.com/office/drawing/2014/main" id="{2B8D59D5-A57D-4846-863C-31591ACCF193}"/>
@@ -13810,7 +13831,7 @@
           <p:nvPr/>
         </p:nvPicPr>
         <p:blipFill>
-          <a:blip r:embed="rId3" cstate="print">
+          <a:blip r:embed="rId4" cstate="print">
             <a:extLst>
               <a:ext uri="{28A0092B-C50C-407E-A947-70E740481C1C}">
                 <a14:useLocalDpi xmlns:a14="http://schemas.microsoft.com/office/drawing/2010/main" val="0"/>
@@ -15122,15 +15143,22 @@
           <a:p>
             <a:r>
               <a:rPr lang="en-US" sz="2400" dirty="0"/>
-              <a:t>Program Name: ZNC_XX_CALC_ITAB</a:t>
-            </a:r>
+              <a:t>Program Name: </a:t>
+            </a:r>
+            <a:r>
+              <a:rPr lang="en-US" sz="2400" dirty="0">
+                <a:hlinkClick r:id="rId2"/>
+              </a:rPr>
+              <a:t>ZNC_XX_CALC_ITAB</a:t>
+            </a:r>
+            <a:endParaRPr lang="en-US" sz="2400" dirty="0"/>
           </a:p>
         </p:txBody>
       </p:sp>
       <p:pic>
         <p:nvPicPr>
           <p:cNvPr id="2050" name="Picture 2" descr="NetCom Logo">
-            <a:hlinkClick r:id="rId2"/>
+            <a:hlinkClick r:id="rId3"/>
             <a:extLst>
               <a:ext uri="{FF2B5EF4-FFF2-40B4-BE49-F238E27FC236}">
                 <a16:creationId xmlns:a16="http://schemas.microsoft.com/office/drawing/2014/main" id="{2B8D59D5-A57D-4846-863C-31591ACCF193}"/>
@@ -15143,7 +15171,7 @@
           <p:nvPr/>
         </p:nvPicPr>
         <p:blipFill>
-          <a:blip r:embed="rId3" cstate="print">
+          <a:blip r:embed="rId4" cstate="print">
             <a:extLst>
               <a:ext uri="{28A0092B-C50C-407E-A947-70E740481C1C}">
                 <a14:useLocalDpi xmlns:a14="http://schemas.microsoft.com/office/drawing/2010/main" val="0"/>
@@ -15375,15 +15403,22 @@
           <a:p>
             <a:r>
               <a:rPr lang="en-US" sz="2400" dirty="0"/>
-              <a:t>Program Name: ZNC_XX_ADV_ITAB</a:t>
-            </a:r>
+              <a:t>Program Name: </a:t>
+            </a:r>
+            <a:r>
+              <a:rPr lang="en-US" sz="2400" dirty="0">
+                <a:hlinkClick r:id="rId2"/>
+              </a:rPr>
+              <a:t>ZNC_XX_ADV_ITAB</a:t>
+            </a:r>
+            <a:endParaRPr lang="en-US" sz="2400" dirty="0"/>
           </a:p>
         </p:txBody>
       </p:sp>
       <p:pic>
         <p:nvPicPr>
           <p:cNvPr id="2050" name="Picture 2" descr="NetCom Logo">
-            <a:hlinkClick r:id="rId2"/>
+            <a:hlinkClick r:id="rId3"/>
             <a:extLst>
               <a:ext uri="{FF2B5EF4-FFF2-40B4-BE49-F238E27FC236}">
                 <a16:creationId xmlns:a16="http://schemas.microsoft.com/office/drawing/2014/main" id="{2B8D59D5-A57D-4846-863C-31591ACCF193}"/>
@@ -15396,7 +15431,7 @@
           <p:nvPr/>
         </p:nvPicPr>
         <p:blipFill>
-          <a:blip r:embed="rId3" cstate="print">
+          <a:blip r:embed="rId4" cstate="print">
             <a:extLst>
               <a:ext uri="{28A0092B-C50C-407E-A947-70E740481C1C}">
                 <a14:useLocalDpi xmlns:a14="http://schemas.microsoft.com/office/drawing/2010/main" val="0"/>
@@ -17277,15 +17312,22 @@
           <a:p>
             <a:r>
               <a:rPr lang="en-US" sz="2400" dirty="0"/>
-              <a:t>Program Name: ZNC_XX_SELECT</a:t>
-            </a:r>
+              <a:t>Program Name: </a:t>
+            </a:r>
+            <a:r>
+              <a:rPr lang="en-US" sz="2400" dirty="0">
+                <a:hlinkClick r:id="rId2"/>
+              </a:rPr>
+              <a:t>ZNC_XX_SELECT</a:t>
+            </a:r>
+            <a:endParaRPr lang="en-US" sz="2400" dirty="0"/>
           </a:p>
         </p:txBody>
       </p:sp>
       <p:pic>
         <p:nvPicPr>
           <p:cNvPr id="2050" name="Picture 2" descr="NetCom Logo">
-            <a:hlinkClick r:id="rId2"/>
+            <a:hlinkClick r:id="rId3"/>
             <a:extLst>
               <a:ext uri="{FF2B5EF4-FFF2-40B4-BE49-F238E27FC236}">
                 <a16:creationId xmlns:a16="http://schemas.microsoft.com/office/drawing/2014/main" id="{2B8D59D5-A57D-4846-863C-31591ACCF193}"/>
@@ -17298,7 +17340,7 @@
           <p:nvPr/>
         </p:nvPicPr>
         <p:blipFill>
-          <a:blip r:embed="rId3" cstate="print">
+          <a:blip r:embed="rId4" cstate="print">
             <a:extLst>
               <a:ext uri="{28A0092B-C50C-407E-A947-70E740481C1C}">
                 <a14:useLocalDpi xmlns:a14="http://schemas.microsoft.com/office/drawing/2010/main" val="0"/>

--- a/day 3/S4D400 - Day 3.pptx
+++ b/day 3/S4D400 - Day 3.pptx
@@ -4645,7 +4645,7 @@
           <a:p>
             <a:fld id="{4AF2A06D-4991-4208-8C88-4E8BAD69A8B8}" type="datetimeFigureOut">
               <a:rPr lang="en-US" smtClean="0"/>
-              <a:t>11/15/2020</a:t>
+              <a:t>11/19/2020</a:t>
             </a:fld>
             <a:endParaRPr lang="en-US"/>
           </a:p>
@@ -5269,7 +5269,7 @@
           <a:p>
             <a:fld id="{E26E0DA5-0C76-4851-AA82-0B75261F9EB4}" type="datetimeFigureOut">
               <a:rPr lang="en-US" smtClean="0"/>
-              <a:t>11/15/2020</a:t>
+              <a:t>11/19/2020</a:t>
             </a:fld>
             <a:endParaRPr lang="en-US"/>
           </a:p>
@@ -5437,7 +5437,7 @@
           <a:p>
             <a:fld id="{E26E0DA5-0C76-4851-AA82-0B75261F9EB4}" type="datetimeFigureOut">
               <a:rPr lang="en-US" smtClean="0"/>
-              <a:t>11/15/2020</a:t>
+              <a:t>11/19/2020</a:t>
             </a:fld>
             <a:endParaRPr lang="en-US"/>
           </a:p>
@@ -5615,7 +5615,7 @@
           <a:p>
             <a:fld id="{E26E0DA5-0C76-4851-AA82-0B75261F9EB4}" type="datetimeFigureOut">
               <a:rPr lang="en-US" smtClean="0"/>
-              <a:t>11/15/2020</a:t>
+              <a:t>11/19/2020</a:t>
             </a:fld>
             <a:endParaRPr lang="en-US"/>
           </a:p>
@@ -5783,7 +5783,7 @@
           <a:p>
             <a:fld id="{E26E0DA5-0C76-4851-AA82-0B75261F9EB4}" type="datetimeFigureOut">
               <a:rPr lang="en-US" smtClean="0"/>
-              <a:t>11/15/2020</a:t>
+              <a:t>11/19/2020</a:t>
             </a:fld>
             <a:endParaRPr lang="en-US"/>
           </a:p>
@@ -6028,7 +6028,7 @@
           <a:p>
             <a:fld id="{E26E0DA5-0C76-4851-AA82-0B75261F9EB4}" type="datetimeFigureOut">
               <a:rPr lang="en-US" smtClean="0"/>
-              <a:t>11/15/2020</a:t>
+              <a:t>11/19/2020</a:t>
             </a:fld>
             <a:endParaRPr lang="en-US"/>
           </a:p>
@@ -6257,7 +6257,7 @@
           <a:p>
             <a:fld id="{E26E0DA5-0C76-4851-AA82-0B75261F9EB4}" type="datetimeFigureOut">
               <a:rPr lang="en-US" smtClean="0"/>
-              <a:t>11/15/2020</a:t>
+              <a:t>11/19/2020</a:t>
             </a:fld>
             <a:endParaRPr lang="en-US"/>
           </a:p>
@@ -6621,7 +6621,7 @@
           <a:p>
             <a:fld id="{E26E0DA5-0C76-4851-AA82-0B75261F9EB4}" type="datetimeFigureOut">
               <a:rPr lang="en-US" smtClean="0"/>
-              <a:t>11/15/2020</a:t>
+              <a:t>11/19/2020</a:t>
             </a:fld>
             <a:endParaRPr lang="en-US"/>
           </a:p>
@@ -6738,7 +6738,7 @@
           <a:p>
             <a:fld id="{E26E0DA5-0C76-4851-AA82-0B75261F9EB4}" type="datetimeFigureOut">
               <a:rPr lang="en-US" smtClean="0"/>
-              <a:t>11/15/2020</a:t>
+              <a:t>11/19/2020</a:t>
             </a:fld>
             <a:endParaRPr lang="en-US"/>
           </a:p>
@@ -6833,7 +6833,7 @@
           <a:p>
             <a:fld id="{E26E0DA5-0C76-4851-AA82-0B75261F9EB4}" type="datetimeFigureOut">
               <a:rPr lang="en-US" smtClean="0"/>
-              <a:t>11/15/2020</a:t>
+              <a:t>11/19/2020</a:t>
             </a:fld>
             <a:endParaRPr lang="en-US"/>
           </a:p>
@@ -7108,7 +7108,7 @@
           <a:p>
             <a:fld id="{E26E0DA5-0C76-4851-AA82-0B75261F9EB4}" type="datetimeFigureOut">
               <a:rPr lang="en-US" smtClean="0"/>
-              <a:t>11/15/2020</a:t>
+              <a:t>11/19/2020</a:t>
             </a:fld>
             <a:endParaRPr lang="en-US"/>
           </a:p>
@@ -7360,7 +7360,7 @@
           <a:p>
             <a:fld id="{E26E0DA5-0C76-4851-AA82-0B75261F9EB4}" type="datetimeFigureOut">
               <a:rPr lang="en-US" smtClean="0"/>
-              <a:t>11/15/2020</a:t>
+              <a:t>11/19/2020</a:t>
             </a:fld>
             <a:endParaRPr lang="en-US"/>
           </a:p>
@@ -7571,7 +7571,7 @@
           <a:p>
             <a:fld id="{E26E0DA5-0C76-4851-AA82-0B75261F9EB4}" type="datetimeFigureOut">
               <a:rPr lang="en-US" smtClean="0"/>
-              <a:t>11/15/2020</a:t>
+              <a:t>11/19/2020</a:t>
             </a:fld>
             <a:endParaRPr lang="en-US"/>
           </a:p>
@@ -15964,36 +15964,41 @@
             <a:pPr algn="just"/>
             <a:r>
               <a:rPr lang="en-US" sz="1700" dirty="0"/>
-              <a:t>SELECT</a:t>
+              <a:t>SELECT – Read Data</a:t>
             </a:r>
           </a:p>
           <a:p>
             <a:pPr algn="just"/>
             <a:r>
               <a:rPr lang="en-US" sz="1700" dirty="0"/>
-              <a:t>INSERT</a:t>
+              <a:t>INSERT – Create Data</a:t>
             </a:r>
           </a:p>
           <a:p>
             <a:pPr algn="just"/>
             <a:r>
               <a:rPr lang="en-US" sz="1700" dirty="0"/>
-              <a:t>UPDATE</a:t>
+              <a:t>UPDATE – Change Data</a:t>
             </a:r>
           </a:p>
           <a:p>
             <a:pPr algn="just"/>
             <a:r>
               <a:rPr lang="en-US" sz="1700" dirty="0"/>
-              <a:t>MODIFY</a:t>
+              <a:t>MODIFY – Insert + Update</a:t>
             </a:r>
           </a:p>
           <a:p>
             <a:pPr algn="just"/>
             <a:r>
               <a:rPr lang="en-US" sz="1700" dirty="0"/>
-              <a:t>DELETE</a:t>
-            </a:r>
+              <a:t>DELETE – </a:t>
+            </a:r>
+            <a:r>
+              <a:rPr lang="en-US" sz="1700"/>
+              <a:t>Remove Data</a:t>
+            </a:r>
+            <a:endParaRPr lang="en-US" sz="1700" dirty="0"/>
           </a:p>
         </p:txBody>
       </p:sp>
